--- a/JAVASCRIPT/TEMA 3.pptx
+++ b/JAVASCRIPT/TEMA 3.pptx
@@ -5,13 +5,16 @@
     <p:sldMasterId id="2147483660" r:id="rId1"/>
   </p:sldMasterIdLst>
   <p:notesMasterIdLst>
-    <p:notesMasterId r:id="rId6"/>
+    <p:notesMasterId r:id="rId9"/>
   </p:notesMasterIdLst>
   <p:sldIdLst>
     <p:sldId id="256" r:id="rId2"/>
     <p:sldId id="258" r:id="rId3"/>
     <p:sldId id="259" r:id="rId4"/>
-    <p:sldId id="260" r:id="rId5"/>
+    <p:sldId id="261" r:id="rId5"/>
+    <p:sldId id="260" r:id="rId6"/>
+    <p:sldId id="262" r:id="rId7"/>
+    <p:sldId id="263" r:id="rId8"/>
   </p:sldIdLst>
   <p:sldSz cx="12192000" cy="6858000"/>
   <p:notesSz cx="6858000" cy="9144000"/>
@@ -230,7 +233,7 @@
           <a:p>
             <a:fld id="{391F017E-414B-4B95-B592-C344CC6A0CA9}" type="datetimeFigureOut">
               <a:rPr lang="es-ES" smtClean="0"/>
-              <a:t>27/11/2020</a:t>
+              <a:t>30/11/2020</a:t>
             </a:fld>
             <a:endParaRPr lang="es-ES"/>
           </a:p>
@@ -656,6 +659,212 @@
     <p:extLst>
       <p:ext uri="{BB962C8B-B14F-4D97-AF65-F5344CB8AC3E}">
         <p14:creationId xmlns:p14="http://schemas.microsoft.com/office/powerpoint/2010/main" val="4177758302"/>
+      </p:ext>
+    </p:extLst>
+  </p:cSld>
+  <p:clrMapOvr>
+    <a:masterClrMapping/>
+  </p:clrMapOvr>
+</p:notes>
+</file>
+
+<file path=ppt/notesSlides/notesSlide3.xml><?xml version="1.0" encoding="utf-8"?>
+<p:notes xmlns:a="http://schemas.openxmlformats.org/drawingml/2006/main" xmlns:r="http://schemas.openxmlformats.org/officeDocument/2006/relationships" xmlns:p="http://schemas.openxmlformats.org/presentationml/2006/main">
+  <p:cSld>
+    <p:spTree>
+      <p:nvGrpSpPr>
+        <p:cNvPr id="1" name=""/>
+        <p:cNvGrpSpPr/>
+        <p:nvPr/>
+      </p:nvGrpSpPr>
+      <p:grpSpPr>
+        <a:xfrm>
+          <a:off x="0" y="0"/>
+          <a:ext cx="0" cy="0"/>
+          <a:chOff x="0" y="0"/>
+          <a:chExt cx="0" cy="0"/>
+        </a:xfrm>
+      </p:grpSpPr>
+      <p:sp>
+        <p:nvSpPr>
+          <p:cNvPr id="2" name="Marcador de imagen de diapositiva 1"/>
+          <p:cNvSpPr>
+            <a:spLocks noGrp="1" noRot="1" noChangeAspect="1"/>
+          </p:cNvSpPr>
+          <p:nvPr>
+            <p:ph type="sldImg"/>
+          </p:nvPr>
+        </p:nvSpPr>
+        <p:spPr/>
+      </p:sp>
+      <p:sp>
+        <p:nvSpPr>
+          <p:cNvPr id="3" name="Marcador de notas 2"/>
+          <p:cNvSpPr>
+            <a:spLocks noGrp="1"/>
+          </p:cNvSpPr>
+          <p:nvPr>
+            <p:ph type="body" idx="1"/>
+          </p:nvPr>
+        </p:nvSpPr>
+        <p:spPr/>
+        <p:txBody>
+          <a:bodyPr/>
+          <a:lstStyle/>
+          <a:p>
+            <a:r>
+              <a:rPr lang="es-ES" b="0" i="0" dirty="0">
+                <a:solidFill>
+                  <a:srgbClr val="333333"/>
+                </a:solidFill>
+                <a:effectLst/>
+                <a:latin typeface="Arial" panose="020B0604020202020204" pitchFamily="34" charset="0"/>
+              </a:rPr>
+              <a:t>Las expresiones </a:t>
+            </a:r>
+            <a:r>
+              <a:rPr lang="es-ES" dirty="0" err="1"/>
+              <a:t>function</a:t>
+            </a:r>
+            <a:r>
+              <a:rPr lang="es-ES" b="0" i="0" dirty="0">
+                <a:solidFill>
+                  <a:srgbClr val="333333"/>
+                </a:solidFill>
+                <a:effectLst/>
+                <a:latin typeface="Arial" panose="020B0604020202020204" pitchFamily="34" charset="0"/>
+              </a:rPr>
+              <a:t> son convenientes cuando se pasa una función como argumento a otra función. El siguiente ejemplo muestra una función </a:t>
+            </a:r>
+            <a:r>
+              <a:rPr lang="es-ES" dirty="0" err="1"/>
+              <a:t>map</a:t>
+            </a:r>
+            <a:r>
+              <a:rPr lang="es-ES" b="0" i="0" dirty="0">
+                <a:solidFill>
+                  <a:srgbClr val="333333"/>
+                </a:solidFill>
+                <a:effectLst/>
+                <a:latin typeface="Arial" panose="020B0604020202020204" pitchFamily="34" charset="0"/>
+              </a:rPr>
+              <a:t> que debería recibir una función como primer argumento y un arreglo como segundo argumento.</a:t>
+            </a:r>
+            <a:endParaRPr lang="es-ES" dirty="0"/>
+          </a:p>
+        </p:txBody>
+      </p:sp>
+      <p:sp>
+        <p:nvSpPr>
+          <p:cNvPr id="4" name="Marcador de número de diapositiva 3"/>
+          <p:cNvSpPr>
+            <a:spLocks noGrp="1"/>
+          </p:cNvSpPr>
+          <p:nvPr>
+            <p:ph type="sldNum" sz="quarter" idx="5"/>
+          </p:nvPr>
+        </p:nvSpPr>
+        <p:spPr/>
+        <p:txBody>
+          <a:bodyPr/>
+          <a:lstStyle/>
+          <a:p>
+            <a:fld id="{814BF44B-1BEE-4B88-BAEB-262938743E9A}" type="slidenum">
+              <a:rPr lang="es-ES" smtClean="0"/>
+              <a:t>4</a:t>
+            </a:fld>
+            <a:endParaRPr lang="es-ES"/>
+          </a:p>
+        </p:txBody>
+      </p:sp>
+    </p:spTree>
+    <p:extLst>
+      <p:ext uri="{BB962C8B-B14F-4D97-AF65-F5344CB8AC3E}">
+        <p14:creationId xmlns:p14="http://schemas.microsoft.com/office/powerpoint/2010/main" val="40010715"/>
+      </p:ext>
+    </p:extLst>
+  </p:cSld>
+  <p:clrMapOvr>
+    <a:masterClrMapping/>
+  </p:clrMapOvr>
+</p:notes>
+</file>
+
+<file path=ppt/notesSlides/notesSlide4.xml><?xml version="1.0" encoding="utf-8"?>
+<p:notes xmlns:a="http://schemas.openxmlformats.org/drawingml/2006/main" xmlns:r="http://schemas.openxmlformats.org/officeDocument/2006/relationships" xmlns:p="http://schemas.openxmlformats.org/presentationml/2006/main">
+  <p:cSld>
+    <p:spTree>
+      <p:nvGrpSpPr>
+        <p:cNvPr id="1" name=""/>
+        <p:cNvGrpSpPr/>
+        <p:nvPr/>
+      </p:nvGrpSpPr>
+      <p:grpSpPr>
+        <a:xfrm>
+          <a:off x="0" y="0"/>
+          <a:ext cx="0" cy="0"/>
+          <a:chOff x="0" y="0"/>
+          <a:chExt cx="0" cy="0"/>
+        </a:xfrm>
+      </p:grpSpPr>
+      <p:sp>
+        <p:nvSpPr>
+          <p:cNvPr id="2" name="Marcador de imagen de diapositiva 1"/>
+          <p:cNvSpPr>
+            <a:spLocks noGrp="1" noRot="1" noChangeAspect="1"/>
+          </p:cNvSpPr>
+          <p:nvPr>
+            <p:ph type="sldImg"/>
+          </p:nvPr>
+        </p:nvSpPr>
+        <p:spPr/>
+      </p:sp>
+      <p:sp>
+        <p:nvSpPr>
+          <p:cNvPr id="3" name="Marcador de notas 2"/>
+          <p:cNvSpPr>
+            <a:spLocks noGrp="1"/>
+          </p:cNvSpPr>
+          <p:nvPr>
+            <p:ph type="body" idx="1"/>
+          </p:nvPr>
+        </p:nvSpPr>
+        <p:spPr/>
+        <p:txBody>
+          <a:bodyPr/>
+          <a:lstStyle/>
+          <a:p>
+            <a:endParaRPr lang="es-ES" dirty="0"/>
+          </a:p>
+        </p:txBody>
+      </p:sp>
+      <p:sp>
+        <p:nvSpPr>
+          <p:cNvPr id="4" name="Marcador de número de diapositiva 3"/>
+          <p:cNvSpPr>
+            <a:spLocks noGrp="1"/>
+          </p:cNvSpPr>
+          <p:nvPr>
+            <p:ph type="sldNum" sz="quarter" idx="5"/>
+          </p:nvPr>
+        </p:nvSpPr>
+        <p:spPr/>
+        <p:txBody>
+          <a:bodyPr/>
+          <a:lstStyle/>
+          <a:p>
+            <a:fld id="{814BF44B-1BEE-4B88-BAEB-262938743E9A}" type="slidenum">
+              <a:rPr lang="es-ES" smtClean="0"/>
+              <a:t>5</a:t>
+            </a:fld>
+            <a:endParaRPr lang="es-ES"/>
+          </a:p>
+        </p:txBody>
+      </p:sp>
+    </p:spTree>
+    <p:extLst>
+      <p:ext uri="{BB962C8B-B14F-4D97-AF65-F5344CB8AC3E}">
+        <p14:creationId xmlns:p14="http://schemas.microsoft.com/office/powerpoint/2010/main" val="1445041045"/>
       </p:ext>
     </p:extLst>
   </p:cSld>
@@ -8124,6 +8333,303 @@
           <p:cNvPr id="2" name="Título 1">
             <a:extLst>
               <a:ext uri="{FF2B5EF4-FFF2-40B4-BE49-F238E27FC236}">
+                <a16:creationId xmlns:a16="http://schemas.microsoft.com/office/drawing/2014/main" id="{1E55463C-9044-492B-8830-49E0EC63198E}"/>
+              </a:ext>
+            </a:extLst>
+          </p:cNvPr>
+          <p:cNvSpPr>
+            <a:spLocks noGrp="1"/>
+          </p:cNvSpPr>
+          <p:nvPr>
+            <p:ph type="title"/>
+          </p:nvPr>
+        </p:nvSpPr>
+        <p:spPr/>
+        <p:txBody>
+          <a:bodyPr>
+            <a:normAutofit fontScale="90000"/>
+          </a:bodyPr>
+          <a:lstStyle/>
+          <a:p>
+            <a:r>
+              <a:rPr lang="es-ES" dirty="0"/>
+              <a:t>Expresiones función.</a:t>
+            </a:r>
+          </a:p>
+        </p:txBody>
+      </p:sp>
+      <p:sp>
+        <p:nvSpPr>
+          <p:cNvPr id="3" name="Marcador de número de diapositiva 2">
+            <a:extLst>
+              <a:ext uri="{FF2B5EF4-FFF2-40B4-BE49-F238E27FC236}">
+                <a16:creationId xmlns:a16="http://schemas.microsoft.com/office/drawing/2014/main" id="{1113F001-06AF-442D-ABD5-2DBA2693FCD6}"/>
+              </a:ext>
+            </a:extLst>
+          </p:cNvPr>
+          <p:cNvSpPr>
+            <a:spLocks noGrp="1"/>
+          </p:cNvSpPr>
+          <p:nvPr>
+            <p:ph type="sldNum" sz="quarter" idx="12"/>
+          </p:nvPr>
+        </p:nvSpPr>
+        <p:spPr/>
+        <p:txBody>
+          <a:bodyPr/>
+          <a:lstStyle/>
+          <a:p>
+            <a:fld id="{63118611-7822-7D46-8FF7-94E882FDEEE2}" type="slidenum">
+              <a:rPr lang="en-US" smtClean="0"/>
+              <a:t>4</a:t>
+            </a:fld>
+            <a:endParaRPr lang="en-US"/>
+          </a:p>
+        </p:txBody>
+      </p:sp>
+      <p:sp>
+        <p:nvSpPr>
+          <p:cNvPr id="5" name="CuadroTexto 4">
+            <a:extLst>
+              <a:ext uri="{FF2B5EF4-FFF2-40B4-BE49-F238E27FC236}">
+                <a16:creationId xmlns:a16="http://schemas.microsoft.com/office/drawing/2014/main" id="{E4398A29-48A4-442D-B227-2E8FA8C886C1}"/>
+              </a:ext>
+            </a:extLst>
+          </p:cNvPr>
+          <p:cNvSpPr txBox="1"/>
+          <p:nvPr/>
+        </p:nvSpPr>
+        <p:spPr>
+          <a:xfrm>
+            <a:off x="838200" y="1288113"/>
+            <a:ext cx="11005456" cy="646331"/>
+          </a:xfrm>
+          <a:prstGeom prst="rect">
+            <a:avLst/>
+          </a:prstGeom>
+          <a:noFill/>
+        </p:spPr>
+        <p:txBody>
+          <a:bodyPr wrap="square">
+            <a:spAutoFit/>
+          </a:bodyPr>
+          <a:lstStyle/>
+          <a:p>
+            <a:r>
+              <a:rPr lang="es-ES" dirty="0"/>
+              <a:t>Si bien la declaración de función anterior sintácticamente es una declaración, las funciones también se pueden crear mediante una expresión </a:t>
+            </a:r>
+            <a:r>
+              <a:rPr lang="es-ES" dirty="0" err="1"/>
+              <a:t>function</a:t>
+            </a:r>
+            <a:r>
+              <a:rPr lang="es-ES" dirty="0"/>
+              <a:t>.</a:t>
+            </a:r>
+          </a:p>
+        </p:txBody>
+      </p:sp>
+      <p:sp>
+        <p:nvSpPr>
+          <p:cNvPr id="7" name="CuadroTexto 6">
+            <a:extLst>
+              <a:ext uri="{FF2B5EF4-FFF2-40B4-BE49-F238E27FC236}">
+                <a16:creationId xmlns:a16="http://schemas.microsoft.com/office/drawing/2014/main" id="{B9C61153-FF76-4959-BF5B-9F1C9B5D695B}"/>
+              </a:ext>
+            </a:extLst>
+          </p:cNvPr>
+          <p:cNvSpPr txBox="1"/>
+          <p:nvPr/>
+        </p:nvSpPr>
+        <p:spPr>
+          <a:xfrm>
+            <a:off x="838200" y="1934444"/>
+            <a:ext cx="7888111" cy="1200329"/>
+          </a:xfrm>
+          <a:prstGeom prst="rect">
+            <a:avLst/>
+          </a:prstGeom>
+          <a:noFill/>
+        </p:spPr>
+        <p:txBody>
+          <a:bodyPr wrap="square">
+            <a:spAutoFit/>
+          </a:bodyPr>
+          <a:lstStyle/>
+          <a:p>
+            <a:r>
+              <a:rPr lang="es-ES" dirty="0"/>
+              <a:t>Esta función puede ser anónima; Sin embargo, puedes proporcionar un nombre con una expresión </a:t>
+            </a:r>
+            <a:r>
+              <a:rPr lang="es-ES" dirty="0" err="1"/>
+              <a:t>function</a:t>
+            </a:r>
+            <a:r>
+              <a:rPr lang="es-ES" dirty="0"/>
+              <a:t>. Proporcionar un nombre permite que la función se refiera a sí misma y también facilita la identificación de la función en el seguimiento de la pila de un depurador: </a:t>
+            </a:r>
+          </a:p>
+        </p:txBody>
+      </p:sp>
+      <p:pic>
+        <p:nvPicPr>
+          <p:cNvPr id="10" name="Imagen 9">
+            <a:extLst>
+              <a:ext uri="{FF2B5EF4-FFF2-40B4-BE49-F238E27FC236}">
+                <a16:creationId xmlns:a16="http://schemas.microsoft.com/office/drawing/2014/main" id="{72EFF1B0-0A9E-4A92-9A71-50BAEE00F2AE}"/>
+              </a:ext>
+            </a:extLst>
+          </p:cNvPr>
+          <p:cNvPicPr>
+            <a:picLocks noChangeAspect="1"/>
+          </p:cNvPicPr>
+          <p:nvPr/>
+        </p:nvPicPr>
+        <p:blipFill>
+          <a:blip r:embed="rId3"/>
+          <a:stretch>
+            <a:fillRect/>
+          </a:stretch>
+        </p:blipFill>
+        <p:spPr>
+          <a:xfrm>
+            <a:off x="952499" y="3214813"/>
+            <a:ext cx="4341989" cy="2985558"/>
+          </a:xfrm>
+          <a:prstGeom prst="rect">
+            <a:avLst/>
+          </a:prstGeom>
+        </p:spPr>
+      </p:pic>
+      <p:pic>
+        <p:nvPicPr>
+          <p:cNvPr id="12" name="Imagen 11">
+            <a:extLst>
+              <a:ext uri="{FF2B5EF4-FFF2-40B4-BE49-F238E27FC236}">
+                <a16:creationId xmlns:a16="http://schemas.microsoft.com/office/drawing/2014/main" id="{D5335441-4178-4108-969D-ED2056CDDE0D}"/>
+              </a:ext>
+            </a:extLst>
+          </p:cNvPr>
+          <p:cNvPicPr>
+            <a:picLocks noChangeAspect="1"/>
+          </p:cNvPicPr>
+          <p:nvPr/>
+        </p:nvPicPr>
+        <p:blipFill>
+          <a:blip r:embed="rId4"/>
+          <a:stretch>
+            <a:fillRect/>
+          </a:stretch>
+        </p:blipFill>
+        <p:spPr>
+          <a:xfrm>
+            <a:off x="6578247" y="4130554"/>
+            <a:ext cx="4476750" cy="2095500"/>
+          </a:xfrm>
+          <a:prstGeom prst="rect">
+            <a:avLst/>
+          </a:prstGeom>
+        </p:spPr>
+      </p:pic>
+      <p:sp>
+        <p:nvSpPr>
+          <p:cNvPr id="13" name="Bocadillo: ovalado 12">
+            <a:extLst>
+              <a:ext uri="{FF2B5EF4-FFF2-40B4-BE49-F238E27FC236}">
+                <a16:creationId xmlns:a16="http://schemas.microsoft.com/office/drawing/2014/main" id="{CFA6D12E-62A9-41E1-A067-FF4FBD1E681B}"/>
+              </a:ext>
+            </a:extLst>
+          </p:cNvPr>
+          <p:cNvSpPr/>
+          <p:nvPr/>
+        </p:nvSpPr>
+        <p:spPr>
+          <a:xfrm>
+            <a:off x="8726311" y="1921280"/>
+            <a:ext cx="3364089" cy="2095500"/>
+          </a:xfrm>
+          <a:prstGeom prst="wedgeEllipseCallout">
+            <a:avLst/>
+          </a:prstGeom>
+        </p:spPr>
+        <p:style>
+          <a:lnRef idx="2">
+            <a:schemeClr val="accent1">
+              <a:shade val="50000"/>
+            </a:schemeClr>
+          </a:lnRef>
+          <a:fillRef idx="1">
+            <a:schemeClr val="accent1"/>
+          </a:fillRef>
+          <a:effectRef idx="0">
+            <a:schemeClr val="accent1"/>
+          </a:effectRef>
+          <a:fontRef idx="minor">
+            <a:schemeClr val="lt1"/>
+          </a:fontRef>
+        </p:style>
+        <p:txBody>
+          <a:bodyPr rtlCol="0" anchor="ctr"/>
+          <a:lstStyle/>
+          <a:p>
+            <a:pPr algn="ctr"/>
+            <a:r>
+              <a:rPr lang="es-ES"/>
+              <a:t>En JavaScript, una función se puede definir en función de una condición</a:t>
+            </a:r>
+            <a:endParaRPr lang="es-ES" dirty="0"/>
+          </a:p>
+        </p:txBody>
+      </p:sp>
+    </p:spTree>
+    <p:extLst>
+      <p:ext uri="{BB962C8B-B14F-4D97-AF65-F5344CB8AC3E}">
+        <p14:creationId xmlns:p14="http://schemas.microsoft.com/office/powerpoint/2010/main" val="764350304"/>
+      </p:ext>
+    </p:extLst>
+  </p:cSld>
+  <p:clrMapOvr>
+    <a:masterClrMapping/>
+  </p:clrMapOvr>
+  <mc:AlternateContent xmlns:mc="http://schemas.openxmlformats.org/markup-compatibility/2006" xmlns:p14="http://schemas.microsoft.com/office/powerpoint/2010/main">
+    <mc:Choice Requires="p14">
+      <p:transition spd="med" p14:dur="700">
+        <p:fade/>
+      </p:transition>
+    </mc:Choice>
+    <mc:Fallback xmlns="">
+      <p:transition spd="med">
+        <p:fade/>
+      </p:transition>
+    </mc:Fallback>
+  </mc:AlternateContent>
+</p:sld>
+</file>
+
+<file path=ppt/slides/slide5.xml><?xml version="1.0" encoding="utf-8"?>
+<p:sld xmlns:a="http://schemas.openxmlformats.org/drawingml/2006/main" xmlns:r="http://schemas.openxmlformats.org/officeDocument/2006/relationships" xmlns:p="http://schemas.openxmlformats.org/presentationml/2006/main">
+  <p:cSld>
+    <p:spTree>
+      <p:nvGrpSpPr>
+        <p:cNvPr id="1" name=""/>
+        <p:cNvGrpSpPr/>
+        <p:nvPr/>
+      </p:nvGrpSpPr>
+      <p:grpSpPr>
+        <a:xfrm>
+          <a:off x="0" y="0"/>
+          <a:ext cx="0" cy="0"/>
+          <a:chOff x="0" y="0"/>
+          <a:chExt cx="0" cy="0"/>
+        </a:xfrm>
+      </p:grpSpPr>
+      <p:sp>
+        <p:nvSpPr>
+          <p:cNvPr id="2" name="Título 1">
+            <a:extLst>
+              <a:ext uri="{FF2B5EF4-FFF2-40B4-BE49-F238E27FC236}">
                 <a16:creationId xmlns:a16="http://schemas.microsoft.com/office/drawing/2014/main" id="{066E0FC6-CEEA-420C-8C2B-9374F8599387}"/>
               </a:ext>
             </a:extLst>
@@ -8137,10 +8643,15 @@
         </p:nvSpPr>
         <p:spPr/>
         <p:txBody>
-          <a:bodyPr/>
+          <a:bodyPr>
+            <a:normAutofit fontScale="90000"/>
+          </a:bodyPr>
           <a:lstStyle/>
           <a:p>
-            <a:endParaRPr lang="es-ES"/>
+            <a:r>
+              <a:rPr lang="es-ES" dirty="0"/>
+              <a:t>Llamar funciones</a:t>
+            </a:r>
           </a:p>
         </p:txBody>
       </p:sp>
@@ -8167,9 +8678,201 @@
           <a:p>
             <a:fld id="{63118611-7822-7D46-8FF7-94E882FDEEE2}" type="slidenum">
               <a:rPr lang="en-US" smtClean="0"/>
-              <a:t>4</a:t>
+              <a:t>5</a:t>
             </a:fld>
             <a:endParaRPr lang="en-US"/>
+          </a:p>
+        </p:txBody>
+      </p:sp>
+      <p:sp>
+        <p:nvSpPr>
+          <p:cNvPr id="5" name="CuadroTexto 4">
+            <a:extLst>
+              <a:ext uri="{FF2B5EF4-FFF2-40B4-BE49-F238E27FC236}">
+                <a16:creationId xmlns:a16="http://schemas.microsoft.com/office/drawing/2014/main" id="{29E50953-7CAB-4E0A-9869-0C3EA45F2ACA}"/>
+              </a:ext>
+            </a:extLst>
+          </p:cNvPr>
+          <p:cNvSpPr txBox="1"/>
+          <p:nvPr/>
+        </p:nvSpPr>
+        <p:spPr>
+          <a:xfrm>
+            <a:off x="838200" y="1234702"/>
+            <a:ext cx="10515598" cy="369332"/>
+          </a:xfrm>
+          <a:prstGeom prst="rect">
+            <a:avLst/>
+          </a:prstGeom>
+          <a:noFill/>
+        </p:spPr>
+        <p:txBody>
+          <a:bodyPr wrap="square">
+            <a:spAutoFit/>
+          </a:bodyPr>
+          <a:lstStyle/>
+          <a:p>
+            <a:r>
+              <a:rPr lang="es-ES" dirty="0"/>
+              <a:t>Llamar a la función en realidad lleva a cabo las acciones especificadas con los parámetros indicados.</a:t>
+            </a:r>
+          </a:p>
+        </p:txBody>
+      </p:sp>
+      <p:sp>
+        <p:nvSpPr>
+          <p:cNvPr id="7" name="CuadroTexto 6">
+            <a:extLst>
+              <a:ext uri="{FF2B5EF4-FFF2-40B4-BE49-F238E27FC236}">
+                <a16:creationId xmlns:a16="http://schemas.microsoft.com/office/drawing/2014/main" id="{0AA079E5-2F3B-4952-AC78-EEA7055AE76B}"/>
+              </a:ext>
+            </a:extLst>
+          </p:cNvPr>
+          <p:cNvSpPr txBox="1"/>
+          <p:nvPr/>
+        </p:nvSpPr>
+        <p:spPr>
+          <a:xfrm>
+            <a:off x="838200" y="1759236"/>
+            <a:ext cx="6101644" cy="923330"/>
+          </a:xfrm>
+          <a:prstGeom prst="rect">
+            <a:avLst/>
+          </a:prstGeom>
+          <a:noFill/>
+        </p:spPr>
+        <p:txBody>
+          <a:bodyPr wrap="square">
+            <a:spAutoFit/>
+          </a:bodyPr>
+          <a:lstStyle/>
+          <a:p>
+            <a:r>
+              <a:rPr lang="en-US" dirty="0"/>
+              <a:t>console.log(square(5));</a:t>
+            </a:r>
+          </a:p>
+          <a:p>
+            <a:r>
+              <a:rPr lang="en-US" dirty="0"/>
+              <a:t>/**\</a:t>
+            </a:r>
+          </a:p>
+          <a:p>
+            <a:r>
+              <a:rPr lang="en-US" dirty="0"/>
+              <a:t>function square(n) { return n * n } </a:t>
+            </a:r>
+            <a:endParaRPr lang="es-ES" dirty="0"/>
+          </a:p>
+        </p:txBody>
+      </p:sp>
+      <p:pic>
+        <p:nvPicPr>
+          <p:cNvPr id="9" name="Imagen 8">
+            <a:extLst>
+              <a:ext uri="{FF2B5EF4-FFF2-40B4-BE49-F238E27FC236}">
+                <a16:creationId xmlns:a16="http://schemas.microsoft.com/office/drawing/2014/main" id="{231B7B2D-7F96-49EC-AB1F-B6C560A4C8F7}"/>
+              </a:ext>
+            </a:extLst>
+          </p:cNvPr>
+          <p:cNvPicPr>
+            <a:picLocks noChangeAspect="1"/>
+          </p:cNvPicPr>
+          <p:nvPr/>
+        </p:nvPicPr>
+        <p:blipFill>
+          <a:blip r:embed="rId3"/>
+          <a:stretch>
+            <a:fillRect/>
+          </a:stretch>
+        </p:blipFill>
+        <p:spPr>
+          <a:xfrm>
+            <a:off x="5742012" y="2836703"/>
+            <a:ext cx="6101644" cy="3305664"/>
+          </a:xfrm>
+          <a:prstGeom prst="rect">
+            <a:avLst/>
+          </a:prstGeom>
+        </p:spPr>
+      </p:pic>
+      <p:pic>
+        <p:nvPicPr>
+          <p:cNvPr id="11" name="Imagen 10">
+            <a:extLst>
+              <a:ext uri="{FF2B5EF4-FFF2-40B4-BE49-F238E27FC236}">
+                <a16:creationId xmlns:a16="http://schemas.microsoft.com/office/drawing/2014/main" id="{11C15ED3-9EFF-4FC9-94A3-31D0D4AFDC4D}"/>
+              </a:ext>
+            </a:extLst>
+          </p:cNvPr>
+          <p:cNvPicPr>
+            <a:picLocks noChangeAspect="1"/>
+          </p:cNvPicPr>
+          <p:nvPr/>
+        </p:nvPicPr>
+        <p:blipFill>
+          <a:blip r:embed="rId4"/>
+          <a:stretch>
+            <a:fillRect/>
+          </a:stretch>
+        </p:blipFill>
+        <p:spPr>
+          <a:xfrm>
+            <a:off x="804333" y="4027817"/>
+            <a:ext cx="4562475" cy="2114550"/>
+          </a:xfrm>
+          <a:prstGeom prst="rect">
+            <a:avLst/>
+          </a:prstGeom>
+        </p:spPr>
+      </p:pic>
+      <p:sp>
+        <p:nvSpPr>
+          <p:cNvPr id="12" name="Bocadillo: rectángulo 11">
+            <a:extLst>
+              <a:ext uri="{FF2B5EF4-FFF2-40B4-BE49-F238E27FC236}">
+                <a16:creationId xmlns:a16="http://schemas.microsoft.com/office/drawing/2014/main" id="{DACB8BE5-C5A8-4AB0-80DB-745A51CC5ECB}"/>
+              </a:ext>
+            </a:extLst>
+          </p:cNvPr>
+          <p:cNvSpPr/>
+          <p:nvPr/>
+        </p:nvSpPr>
+        <p:spPr>
+          <a:xfrm>
+            <a:off x="1332089" y="2830183"/>
+            <a:ext cx="2912533" cy="1195168"/>
+          </a:xfrm>
+          <a:prstGeom prst="wedgeRectCallout">
+            <a:avLst/>
+          </a:prstGeom>
+        </p:spPr>
+        <p:style>
+          <a:lnRef idx="2">
+            <a:schemeClr val="accent1">
+              <a:shade val="50000"/>
+            </a:schemeClr>
+          </a:lnRef>
+          <a:fillRef idx="1">
+            <a:schemeClr val="accent1"/>
+          </a:fillRef>
+          <a:effectRef idx="0">
+            <a:schemeClr val="accent1"/>
+          </a:effectRef>
+          <a:fontRef idx="minor">
+            <a:schemeClr val="lt1"/>
+          </a:fontRef>
+        </p:style>
+        <p:txBody>
+          <a:bodyPr rtlCol="0" anchor="ctr"/>
+          <a:lstStyle/>
+          <a:p>
+            <a:pPr algn="ctr"/>
+            <a:r>
+              <a:rPr lang="es-ES" dirty="0"/>
+              <a:t>Una función puede llamarse a sí misma, a esto se le conoce como recursividad.</a:t>
+            </a:r>
           </a:p>
         </p:txBody>
       </p:sp>
@@ -8177,6 +8880,273 @@
     <p:extLst>
       <p:ext uri="{BB962C8B-B14F-4D97-AF65-F5344CB8AC3E}">
         <p14:creationId xmlns:p14="http://schemas.microsoft.com/office/powerpoint/2010/main" val="2745904473"/>
+      </p:ext>
+    </p:extLst>
+  </p:cSld>
+  <p:clrMapOvr>
+    <a:masterClrMapping/>
+  </p:clrMapOvr>
+  <mc:AlternateContent xmlns:mc="http://schemas.openxmlformats.org/markup-compatibility/2006" xmlns:p14="http://schemas.microsoft.com/office/powerpoint/2010/main">
+    <mc:Choice Requires="p14">
+      <p:transition spd="med" p14:dur="700">
+        <p:fade/>
+      </p:transition>
+    </mc:Choice>
+    <mc:Fallback xmlns="">
+      <p:transition spd="med">
+        <p:fade/>
+      </p:transition>
+    </mc:Fallback>
+  </mc:AlternateContent>
+</p:sld>
+</file>
+
+<file path=ppt/slides/slide6.xml><?xml version="1.0" encoding="utf-8"?>
+<p:sld xmlns:a="http://schemas.openxmlformats.org/drawingml/2006/main" xmlns:r="http://schemas.openxmlformats.org/officeDocument/2006/relationships" xmlns:p="http://schemas.openxmlformats.org/presentationml/2006/main">
+  <p:cSld>
+    <p:spTree>
+      <p:nvGrpSpPr>
+        <p:cNvPr id="1" name=""/>
+        <p:cNvGrpSpPr/>
+        <p:nvPr/>
+      </p:nvGrpSpPr>
+      <p:grpSpPr>
+        <a:xfrm>
+          <a:off x="0" y="0"/>
+          <a:ext cx="0" cy="0"/>
+          <a:chOff x="0" y="0"/>
+          <a:chExt cx="0" cy="0"/>
+        </a:xfrm>
+      </p:grpSpPr>
+      <p:sp>
+        <p:nvSpPr>
+          <p:cNvPr id="2" name="Título 1">
+            <a:extLst>
+              <a:ext uri="{FF2B5EF4-FFF2-40B4-BE49-F238E27FC236}">
+                <a16:creationId xmlns:a16="http://schemas.microsoft.com/office/drawing/2014/main" id="{62D3E18E-ECE1-4887-8F94-F2E8E777FD07}"/>
+              </a:ext>
+            </a:extLst>
+          </p:cNvPr>
+          <p:cNvSpPr>
+            <a:spLocks noGrp="1"/>
+          </p:cNvSpPr>
+          <p:nvPr>
+            <p:ph type="title"/>
+          </p:nvPr>
+        </p:nvSpPr>
+        <p:spPr/>
+        <p:txBody>
+          <a:bodyPr>
+            <a:normAutofit fontScale="90000"/>
+          </a:bodyPr>
+          <a:lstStyle/>
+          <a:p>
+            <a:r>
+              <a:rPr lang="es-ES" dirty="0"/>
+              <a:t>Ámbito de función</a:t>
+            </a:r>
+          </a:p>
+        </p:txBody>
+      </p:sp>
+      <p:sp>
+        <p:nvSpPr>
+          <p:cNvPr id="3" name="Marcador de número de diapositiva 2">
+            <a:extLst>
+              <a:ext uri="{FF2B5EF4-FFF2-40B4-BE49-F238E27FC236}">
+                <a16:creationId xmlns:a16="http://schemas.microsoft.com/office/drawing/2014/main" id="{369A4638-7C04-47EA-A03B-A5A6FF2C12F0}"/>
+              </a:ext>
+            </a:extLst>
+          </p:cNvPr>
+          <p:cNvSpPr>
+            <a:spLocks noGrp="1"/>
+          </p:cNvSpPr>
+          <p:nvPr>
+            <p:ph type="sldNum" sz="quarter" idx="12"/>
+          </p:nvPr>
+        </p:nvSpPr>
+        <p:spPr/>
+        <p:txBody>
+          <a:bodyPr/>
+          <a:lstStyle/>
+          <a:p>
+            <a:fld id="{63118611-7822-7D46-8FF7-94E882FDEEE2}" type="slidenum">
+              <a:rPr lang="en-US" smtClean="0"/>
+              <a:t>6</a:t>
+            </a:fld>
+            <a:endParaRPr lang="en-US"/>
+          </a:p>
+        </p:txBody>
+      </p:sp>
+      <p:sp>
+        <p:nvSpPr>
+          <p:cNvPr id="6" name="CuadroTexto 5">
+            <a:extLst>
+              <a:ext uri="{FF2B5EF4-FFF2-40B4-BE49-F238E27FC236}">
+                <a16:creationId xmlns:a16="http://schemas.microsoft.com/office/drawing/2014/main" id="{BC3A220F-932F-48E9-9E94-D08200BA83C4}"/>
+              </a:ext>
+            </a:extLst>
+          </p:cNvPr>
+          <p:cNvSpPr txBox="1"/>
+          <p:nvPr/>
+        </p:nvSpPr>
+        <p:spPr>
+          <a:xfrm>
+            <a:off x="838200" y="1097191"/>
+            <a:ext cx="4445000" cy="2031325"/>
+          </a:xfrm>
+          <a:prstGeom prst="rect">
+            <a:avLst/>
+          </a:prstGeom>
+          <a:noFill/>
+        </p:spPr>
+        <p:txBody>
+          <a:bodyPr wrap="square">
+            <a:spAutoFit/>
+          </a:bodyPr>
+          <a:lstStyle/>
+          <a:p>
+            <a:r>
+              <a:rPr lang="es-ES" dirty="0"/>
+              <a:t>No se puede acceder a las variables definidas dentro de una función desde cualquier lugar fuera de la función, porque la variable se define solo en el ámbito de la función. Sin embargo, una función puede acceder a todas las variables y funciones definidas dentro del ámbito en el que está definida.</a:t>
+            </a:r>
+          </a:p>
+        </p:txBody>
+      </p:sp>
+      <p:pic>
+        <p:nvPicPr>
+          <p:cNvPr id="8" name="Imagen 7">
+            <a:extLst>
+              <a:ext uri="{FF2B5EF4-FFF2-40B4-BE49-F238E27FC236}">
+                <a16:creationId xmlns:a16="http://schemas.microsoft.com/office/drawing/2014/main" id="{149D5308-390F-4774-857A-EAEF22F2F20D}"/>
+              </a:ext>
+            </a:extLst>
+          </p:cNvPr>
+          <p:cNvPicPr>
+            <a:picLocks noChangeAspect="1"/>
+          </p:cNvPicPr>
+          <p:nvPr/>
+        </p:nvPicPr>
+        <p:blipFill>
+          <a:blip r:embed="rId2"/>
+          <a:stretch>
+            <a:fillRect/>
+          </a:stretch>
+        </p:blipFill>
+        <p:spPr>
+          <a:xfrm>
+            <a:off x="5544457" y="1079500"/>
+            <a:ext cx="4841321" cy="5163218"/>
+          </a:xfrm>
+          <a:prstGeom prst="rect">
+            <a:avLst/>
+          </a:prstGeom>
+        </p:spPr>
+      </p:pic>
+    </p:spTree>
+    <p:extLst>
+      <p:ext uri="{BB962C8B-B14F-4D97-AF65-F5344CB8AC3E}">
+        <p14:creationId xmlns:p14="http://schemas.microsoft.com/office/powerpoint/2010/main" val="412040731"/>
+      </p:ext>
+    </p:extLst>
+  </p:cSld>
+  <p:clrMapOvr>
+    <a:masterClrMapping/>
+  </p:clrMapOvr>
+  <mc:AlternateContent xmlns:mc="http://schemas.openxmlformats.org/markup-compatibility/2006" xmlns:p14="http://schemas.microsoft.com/office/powerpoint/2010/main">
+    <mc:Choice Requires="p14">
+      <p:transition spd="med" p14:dur="700">
+        <p:fade/>
+      </p:transition>
+    </mc:Choice>
+    <mc:Fallback xmlns="">
+      <p:transition spd="med">
+        <p:fade/>
+      </p:transition>
+    </mc:Fallback>
+  </mc:AlternateContent>
+</p:sld>
+</file>
+
+<file path=ppt/slides/slide7.xml><?xml version="1.0" encoding="utf-8"?>
+<p:sld xmlns:a="http://schemas.openxmlformats.org/drawingml/2006/main" xmlns:r="http://schemas.openxmlformats.org/officeDocument/2006/relationships" xmlns:p="http://schemas.openxmlformats.org/presentationml/2006/main">
+  <p:cSld>
+    <p:spTree>
+      <p:nvGrpSpPr>
+        <p:cNvPr id="1" name=""/>
+        <p:cNvGrpSpPr/>
+        <p:nvPr/>
+      </p:nvGrpSpPr>
+      <p:grpSpPr>
+        <a:xfrm>
+          <a:off x="0" y="0"/>
+          <a:ext cx="0" cy="0"/>
+          <a:chOff x="0" y="0"/>
+          <a:chExt cx="0" cy="0"/>
+        </a:xfrm>
+      </p:grpSpPr>
+      <p:sp>
+        <p:nvSpPr>
+          <p:cNvPr id="2" name="Título 1">
+            <a:extLst>
+              <a:ext uri="{FF2B5EF4-FFF2-40B4-BE49-F238E27FC236}">
+                <a16:creationId xmlns:a16="http://schemas.microsoft.com/office/drawing/2014/main" id="{78F3FDFC-ACF1-4120-B79F-183793767F15}"/>
+              </a:ext>
+            </a:extLst>
+          </p:cNvPr>
+          <p:cNvSpPr>
+            <a:spLocks noGrp="1"/>
+          </p:cNvSpPr>
+          <p:nvPr>
+            <p:ph type="title"/>
+          </p:nvPr>
+        </p:nvSpPr>
+        <p:spPr/>
+        <p:txBody>
+          <a:bodyPr>
+            <a:normAutofit fontScale="90000"/>
+          </a:bodyPr>
+          <a:lstStyle/>
+          <a:p>
+            <a:r>
+              <a:rPr lang="es-ES" dirty="0"/>
+              <a:t>Parámetros de función</a:t>
+            </a:r>
+          </a:p>
+        </p:txBody>
+      </p:sp>
+      <p:sp>
+        <p:nvSpPr>
+          <p:cNvPr id="3" name="Marcador de número de diapositiva 2">
+            <a:extLst>
+              <a:ext uri="{FF2B5EF4-FFF2-40B4-BE49-F238E27FC236}">
+                <a16:creationId xmlns:a16="http://schemas.microsoft.com/office/drawing/2014/main" id="{882A2A85-F684-459D-852C-1BE8E34ADDF8}"/>
+              </a:ext>
+            </a:extLst>
+          </p:cNvPr>
+          <p:cNvSpPr>
+            <a:spLocks noGrp="1"/>
+          </p:cNvSpPr>
+          <p:nvPr>
+            <p:ph type="sldNum" sz="quarter" idx="12"/>
+          </p:nvPr>
+        </p:nvSpPr>
+        <p:spPr/>
+        <p:txBody>
+          <a:bodyPr/>
+          <a:lstStyle/>
+          <a:p>
+            <a:fld id="{63118611-7822-7D46-8FF7-94E882FDEEE2}" type="slidenum">
+              <a:rPr lang="en-US" smtClean="0"/>
+              <a:t>7</a:t>
+            </a:fld>
+            <a:endParaRPr lang="en-US"/>
+          </a:p>
+        </p:txBody>
+      </p:sp>
+    </p:spTree>
+    <p:extLst>
+      <p:ext uri="{BB962C8B-B14F-4D97-AF65-F5344CB8AC3E}">
+        <p14:creationId xmlns:p14="http://schemas.microsoft.com/office/powerpoint/2010/main" val="70781029"/>
       </p:ext>
     </p:extLst>
   </p:cSld>

--- a/JAVASCRIPT/TEMA 3.pptx
+++ b/JAVASCRIPT/TEMA 3.pptx
@@ -5,7 +5,7 @@
     <p:sldMasterId id="2147483660" r:id="rId1"/>
   </p:sldMasterIdLst>
   <p:notesMasterIdLst>
-    <p:notesMasterId r:id="rId9"/>
+    <p:notesMasterId r:id="rId10"/>
   </p:notesMasterIdLst>
   <p:sldIdLst>
     <p:sldId id="256" r:id="rId2"/>
@@ -15,6 +15,7 @@
     <p:sldId id="260" r:id="rId6"/>
     <p:sldId id="262" r:id="rId7"/>
     <p:sldId id="263" r:id="rId8"/>
+    <p:sldId id="264" r:id="rId9"/>
   </p:sldIdLst>
   <p:sldSz cx="12192000" cy="6858000"/>
   <p:notesSz cx="6858000" cy="9144000"/>
@@ -233,7 +234,7 @@
           <a:p>
             <a:fld id="{391F017E-414B-4B95-B592-C344CC6A0CA9}" type="datetimeFigureOut">
               <a:rPr lang="es-ES" smtClean="0"/>
-              <a:t>30/11/2020</a:t>
+              <a:t>02/12/2020</a:t>
             </a:fld>
             <a:endParaRPr lang="es-ES"/>
           </a:p>
@@ -9143,10 +9144,391 @@
           </a:p>
         </p:txBody>
       </p:sp>
+      <p:sp>
+        <p:nvSpPr>
+          <p:cNvPr id="5" name="CuadroTexto 4">
+            <a:extLst>
+              <a:ext uri="{FF2B5EF4-FFF2-40B4-BE49-F238E27FC236}">
+                <a16:creationId xmlns:a16="http://schemas.microsoft.com/office/drawing/2014/main" id="{CB6CF61B-0B44-42B4-B58C-03EEFA20B6F1}"/>
+              </a:ext>
+            </a:extLst>
+          </p:cNvPr>
+          <p:cNvSpPr txBox="1"/>
+          <p:nvPr/>
+        </p:nvSpPr>
+        <p:spPr>
+          <a:xfrm>
+            <a:off x="838200" y="1100225"/>
+            <a:ext cx="10665178" cy="646331"/>
+          </a:xfrm>
+          <a:prstGeom prst="rect">
+            <a:avLst/>
+          </a:prstGeom>
+          <a:noFill/>
+        </p:spPr>
+        <p:txBody>
+          <a:bodyPr wrap="square">
+            <a:spAutoFit/>
+          </a:bodyPr>
+          <a:lstStyle/>
+          <a:p>
+            <a:r>
+              <a:rPr lang="es-ES" dirty="0"/>
+              <a:t>En JavaScript, los parámetros de las funciones están predeterminados en </a:t>
+            </a:r>
+            <a:r>
+              <a:rPr lang="es-ES" dirty="0" err="1"/>
+              <a:t>undefined</a:t>
+            </a:r>
+            <a:r>
+              <a:rPr lang="es-ES" dirty="0"/>
+              <a:t>. Sin embargo, en algunas situaciones puede resultar útil establecer un valor predeterminado diferente.</a:t>
+            </a:r>
+          </a:p>
+        </p:txBody>
+      </p:sp>
+      <p:sp>
+        <p:nvSpPr>
+          <p:cNvPr id="7" name="CuadroTexto 6">
+            <a:extLst>
+              <a:ext uri="{FF2B5EF4-FFF2-40B4-BE49-F238E27FC236}">
+                <a16:creationId xmlns:a16="http://schemas.microsoft.com/office/drawing/2014/main" id="{DA626040-885F-417A-8C5D-DD446DDDCEB7}"/>
+              </a:ext>
+            </a:extLst>
+          </p:cNvPr>
+          <p:cNvSpPr txBox="1"/>
+          <p:nvPr/>
+        </p:nvSpPr>
+        <p:spPr>
+          <a:xfrm>
+            <a:off x="838200" y="1767281"/>
+            <a:ext cx="6101644" cy="1200329"/>
+          </a:xfrm>
+          <a:prstGeom prst="rect">
+            <a:avLst/>
+          </a:prstGeom>
+          <a:noFill/>
+        </p:spPr>
+        <p:txBody>
+          <a:bodyPr wrap="square">
+            <a:spAutoFit/>
+          </a:bodyPr>
+          <a:lstStyle/>
+          <a:p>
+            <a:r>
+              <a:rPr lang="es-ES" dirty="0"/>
+              <a:t>Con parámetros predeterminados, ya no es necesaria una verificación manual en el cuerpo de la función. Simplemente puedes poner 1 como valor predeterminado para b en el encabezado de la función:</a:t>
+            </a:r>
+          </a:p>
+        </p:txBody>
+      </p:sp>
+      <p:pic>
+        <p:nvPicPr>
+          <p:cNvPr id="9" name="Imagen 8">
+            <a:extLst>
+              <a:ext uri="{FF2B5EF4-FFF2-40B4-BE49-F238E27FC236}">
+                <a16:creationId xmlns:a16="http://schemas.microsoft.com/office/drawing/2014/main" id="{2CDB5558-7B5B-4CA0-845F-19A29E86025A}"/>
+              </a:ext>
+            </a:extLst>
+          </p:cNvPr>
+          <p:cNvPicPr>
+            <a:picLocks noChangeAspect="1"/>
+          </p:cNvPicPr>
+          <p:nvPr/>
+        </p:nvPicPr>
+        <p:blipFill>
+          <a:blip r:embed="rId2"/>
+          <a:stretch>
+            <a:fillRect/>
+          </a:stretch>
+        </p:blipFill>
+        <p:spPr>
+          <a:xfrm>
+            <a:off x="7131502" y="1767281"/>
+            <a:ext cx="4467225" cy="1876425"/>
+          </a:xfrm>
+          <a:prstGeom prst="rect">
+            <a:avLst/>
+          </a:prstGeom>
+        </p:spPr>
+      </p:pic>
+      <p:sp>
+        <p:nvSpPr>
+          <p:cNvPr id="11" name="CuadroTexto 10">
+            <a:extLst>
+              <a:ext uri="{FF2B5EF4-FFF2-40B4-BE49-F238E27FC236}">
+                <a16:creationId xmlns:a16="http://schemas.microsoft.com/office/drawing/2014/main" id="{FC8D5814-F080-4688-A179-87C9A589A38D}"/>
+              </a:ext>
+            </a:extLst>
+          </p:cNvPr>
+          <p:cNvSpPr txBox="1"/>
+          <p:nvPr/>
+        </p:nvSpPr>
+        <p:spPr>
+          <a:xfrm>
+            <a:off x="838200" y="3089491"/>
+            <a:ext cx="6101644" cy="369332"/>
+          </a:xfrm>
+          <a:prstGeom prst="rect">
+            <a:avLst/>
+          </a:prstGeom>
+          <a:noFill/>
+        </p:spPr>
+        <p:txBody>
+          <a:bodyPr wrap="square">
+            <a:spAutoFit/>
+          </a:bodyPr>
+          <a:lstStyle/>
+          <a:p>
+            <a:r>
+              <a:rPr lang="es-ES" b="1" dirty="0"/>
+              <a:t>Parámetros </a:t>
+            </a:r>
+            <a:r>
+              <a:rPr lang="es-ES" b="1" dirty="0" err="1"/>
+              <a:t>rest</a:t>
+            </a:r>
+            <a:endParaRPr lang="es-ES" b="1" dirty="0"/>
+          </a:p>
+        </p:txBody>
+      </p:sp>
+      <p:sp>
+        <p:nvSpPr>
+          <p:cNvPr id="13" name="CuadroTexto 12">
+            <a:extLst>
+              <a:ext uri="{FF2B5EF4-FFF2-40B4-BE49-F238E27FC236}">
+                <a16:creationId xmlns:a16="http://schemas.microsoft.com/office/drawing/2014/main" id="{59633C36-3567-4782-95C2-D199B5B7C5CC}"/>
+              </a:ext>
+            </a:extLst>
+          </p:cNvPr>
+          <p:cNvSpPr txBox="1"/>
+          <p:nvPr/>
+        </p:nvSpPr>
+        <p:spPr>
+          <a:xfrm>
+            <a:off x="750965" y="3458823"/>
+            <a:ext cx="6101644" cy="646331"/>
+          </a:xfrm>
+          <a:prstGeom prst="rect">
+            <a:avLst/>
+          </a:prstGeom>
+          <a:noFill/>
+        </p:spPr>
+        <p:txBody>
+          <a:bodyPr wrap="square">
+            <a:spAutoFit/>
+          </a:bodyPr>
+          <a:lstStyle/>
+          <a:p>
+            <a:r>
+              <a:rPr lang="es-ES" dirty="0"/>
+              <a:t>La sintaxis del parámetro </a:t>
+            </a:r>
+            <a:r>
+              <a:rPr lang="es-ES" dirty="0" err="1"/>
+              <a:t>rest</a:t>
+            </a:r>
+            <a:r>
+              <a:rPr lang="es-ES" dirty="0"/>
+              <a:t> nos permite representar un número indefinido de argumentos como un arreglo.</a:t>
+            </a:r>
+          </a:p>
+        </p:txBody>
+      </p:sp>
+      <p:pic>
+        <p:nvPicPr>
+          <p:cNvPr id="17" name="Imagen 16">
+            <a:extLst>
+              <a:ext uri="{FF2B5EF4-FFF2-40B4-BE49-F238E27FC236}">
+                <a16:creationId xmlns:a16="http://schemas.microsoft.com/office/drawing/2014/main" id="{5D3B61D6-126A-4584-9729-3E020D048486}"/>
+              </a:ext>
+            </a:extLst>
+          </p:cNvPr>
+          <p:cNvPicPr>
+            <a:picLocks noChangeAspect="1"/>
+          </p:cNvPicPr>
+          <p:nvPr/>
+        </p:nvPicPr>
+        <p:blipFill>
+          <a:blip r:embed="rId3"/>
+          <a:stretch>
+            <a:fillRect/>
+          </a:stretch>
+        </p:blipFill>
+        <p:spPr>
+          <a:xfrm>
+            <a:off x="827264" y="4125879"/>
+            <a:ext cx="5343525" cy="2171700"/>
+          </a:xfrm>
+          <a:prstGeom prst="rect">
+            <a:avLst/>
+          </a:prstGeom>
+        </p:spPr>
+      </p:pic>
     </p:spTree>
     <p:extLst>
       <p:ext uri="{BB962C8B-B14F-4D97-AF65-F5344CB8AC3E}">
         <p14:creationId xmlns:p14="http://schemas.microsoft.com/office/powerpoint/2010/main" val="70781029"/>
+      </p:ext>
+    </p:extLst>
+  </p:cSld>
+  <p:clrMapOvr>
+    <a:masterClrMapping/>
+  </p:clrMapOvr>
+  <mc:AlternateContent xmlns:mc="http://schemas.openxmlformats.org/markup-compatibility/2006" xmlns:p14="http://schemas.microsoft.com/office/powerpoint/2010/main">
+    <mc:Choice Requires="p14">
+      <p:transition spd="med" p14:dur="700">
+        <p:fade/>
+      </p:transition>
+    </mc:Choice>
+    <mc:Fallback xmlns="">
+      <p:transition spd="med">
+        <p:fade/>
+      </p:transition>
+    </mc:Fallback>
+  </mc:AlternateContent>
+</p:sld>
+</file>
+
+<file path=ppt/slides/slide8.xml><?xml version="1.0" encoding="utf-8"?>
+<p:sld xmlns:a="http://schemas.openxmlformats.org/drawingml/2006/main" xmlns:r="http://schemas.openxmlformats.org/officeDocument/2006/relationships" xmlns:p="http://schemas.openxmlformats.org/presentationml/2006/main">
+  <p:cSld>
+    <p:spTree>
+      <p:nvGrpSpPr>
+        <p:cNvPr id="1" name=""/>
+        <p:cNvGrpSpPr/>
+        <p:nvPr/>
+      </p:nvGrpSpPr>
+      <p:grpSpPr>
+        <a:xfrm>
+          <a:off x="0" y="0"/>
+          <a:ext cx="0" cy="0"/>
+          <a:chOff x="0" y="0"/>
+          <a:chExt cx="0" cy="0"/>
+        </a:xfrm>
+      </p:grpSpPr>
+      <p:sp>
+        <p:nvSpPr>
+          <p:cNvPr id="2" name="Título 1">
+            <a:extLst>
+              <a:ext uri="{FF2B5EF4-FFF2-40B4-BE49-F238E27FC236}">
+                <a16:creationId xmlns:a16="http://schemas.microsoft.com/office/drawing/2014/main" id="{73412C52-C7E7-460B-8F89-280975633842}"/>
+              </a:ext>
+            </a:extLst>
+          </p:cNvPr>
+          <p:cNvSpPr>
+            <a:spLocks noGrp="1"/>
+          </p:cNvSpPr>
+          <p:nvPr>
+            <p:ph type="title"/>
+          </p:nvPr>
+        </p:nvSpPr>
+        <p:spPr/>
+        <p:txBody>
+          <a:bodyPr>
+            <a:normAutofit fontScale="90000"/>
+          </a:bodyPr>
+          <a:lstStyle/>
+          <a:p>
+            <a:r>
+              <a:rPr lang="es-ES" dirty="0"/>
+              <a:t>Funciones Flecha</a:t>
+            </a:r>
+          </a:p>
+        </p:txBody>
+      </p:sp>
+      <p:sp>
+        <p:nvSpPr>
+          <p:cNvPr id="3" name="Marcador de número de diapositiva 2">
+            <a:extLst>
+              <a:ext uri="{FF2B5EF4-FFF2-40B4-BE49-F238E27FC236}">
+                <a16:creationId xmlns:a16="http://schemas.microsoft.com/office/drawing/2014/main" id="{3871BBB6-1ADB-4FD5-B13E-18A82D14B93C}"/>
+              </a:ext>
+            </a:extLst>
+          </p:cNvPr>
+          <p:cNvSpPr>
+            <a:spLocks noGrp="1"/>
+          </p:cNvSpPr>
+          <p:nvPr>
+            <p:ph type="sldNum" sz="quarter" idx="12"/>
+          </p:nvPr>
+        </p:nvSpPr>
+        <p:spPr/>
+        <p:txBody>
+          <a:bodyPr/>
+          <a:lstStyle/>
+          <a:p>
+            <a:fld id="{63118611-7822-7D46-8FF7-94E882FDEEE2}" type="slidenum">
+              <a:rPr lang="en-US" smtClean="0"/>
+              <a:t>8</a:t>
+            </a:fld>
+            <a:endParaRPr lang="en-US"/>
+          </a:p>
+        </p:txBody>
+      </p:sp>
+      <p:sp>
+        <p:nvSpPr>
+          <p:cNvPr id="5" name="CuadroTexto 4">
+            <a:extLst>
+              <a:ext uri="{FF2B5EF4-FFF2-40B4-BE49-F238E27FC236}">
+                <a16:creationId xmlns:a16="http://schemas.microsoft.com/office/drawing/2014/main" id="{AC062A91-CA83-47FA-B7DE-FE044A421163}"/>
+              </a:ext>
+            </a:extLst>
+          </p:cNvPr>
+          <p:cNvSpPr txBox="1"/>
+          <p:nvPr/>
+        </p:nvSpPr>
+        <p:spPr>
+          <a:xfrm>
+            <a:off x="838200" y="1215830"/>
+            <a:ext cx="11005456" cy="646331"/>
+          </a:xfrm>
+          <a:prstGeom prst="rect">
+            <a:avLst/>
+          </a:prstGeom>
+          <a:noFill/>
+        </p:spPr>
+        <p:txBody>
+          <a:bodyPr wrap="square">
+            <a:spAutoFit/>
+          </a:bodyPr>
+          <a:lstStyle/>
+          <a:p>
+            <a:r>
+              <a:rPr lang="es-ES" dirty="0"/>
+              <a:t>Una expresión de función flecha tiene una sintaxis más corta en comparación con las expresiones de función y no tiene su propio </a:t>
+            </a:r>
+            <a:r>
+              <a:rPr lang="es-ES" dirty="0" err="1"/>
+              <a:t>this</a:t>
+            </a:r>
+            <a:r>
+              <a:rPr lang="es-ES" dirty="0"/>
+              <a:t>, </a:t>
+            </a:r>
+            <a:r>
+              <a:rPr lang="es-ES" dirty="0" err="1"/>
+              <a:t>arguments</a:t>
+            </a:r>
+            <a:r>
+              <a:rPr lang="es-ES" dirty="0"/>
+              <a:t>, super o </a:t>
+            </a:r>
+            <a:r>
+              <a:rPr lang="es-ES" dirty="0" err="1"/>
+              <a:t>new.target</a:t>
+            </a:r>
+            <a:r>
+              <a:rPr lang="es-ES" dirty="0"/>
+              <a:t>. Las funciones flecha siempre son anónimas. </a:t>
+            </a:r>
+          </a:p>
+        </p:txBody>
+      </p:sp>
+    </p:spTree>
+    <p:extLst>
+      <p:ext uri="{BB962C8B-B14F-4D97-AF65-F5344CB8AC3E}">
+        <p14:creationId xmlns:p14="http://schemas.microsoft.com/office/powerpoint/2010/main" val="4113291970"/>
       </p:ext>
     </p:extLst>
   </p:cSld>
